--- a/docs/images/common/zowe-ssl.pptx
+++ b/docs/images/common/zowe-ssl.pptx
@@ -5,10 +5,11 @@
     <p:sldMasterId id="2147483648" r:id="rId1"/>
   </p:sldMasterIdLst>
   <p:notesMasterIdLst>
-    <p:notesMasterId r:id="rId3"/>
+    <p:notesMasterId r:id="rId4"/>
   </p:notesMasterIdLst>
   <p:sldIdLst>
     <p:sldId id="268" r:id="rId2"/>
+    <p:sldId id="270" r:id="rId3"/>
   </p:sldIdLst>
   <p:sldSz cx="12192000" cy="6858000"/>
   <p:notesSz cx="6858000" cy="9144000"/>
@@ -197,7 +198,7 @@
           <a:p>
             <a:fld id="{26E70E1E-3B7C-8D4D-B700-360134022E14}" type="datetimeFigureOut">
               <a:rPr lang="en-CN" smtClean="0"/>
-              <a:t>9/2/20</a:t>
+              <a:t>9/3/20</a:t>
             </a:fld>
             <a:endParaRPr lang="en-CN"/>
           </a:p>
@@ -699,7 +700,7 @@
           <a:p>
             <a:fld id="{B1DB1BE8-3F77-D044-8747-9903AC5CD864}" type="datetimeFigureOut">
               <a:rPr lang="en-US" smtClean="0"/>
-              <a:t>9/2/20</a:t>
+              <a:t>9/3/20</a:t>
             </a:fld>
             <a:endParaRPr lang="en-US"/>
           </a:p>
@@ -897,7 +898,7 @@
           <a:p>
             <a:fld id="{B1DB1BE8-3F77-D044-8747-9903AC5CD864}" type="datetimeFigureOut">
               <a:rPr lang="en-US" smtClean="0"/>
-              <a:t>9/2/20</a:t>
+              <a:t>9/3/20</a:t>
             </a:fld>
             <a:endParaRPr lang="en-US"/>
           </a:p>
@@ -1105,7 +1106,7 @@
           <a:p>
             <a:fld id="{B1DB1BE8-3F77-D044-8747-9903AC5CD864}" type="datetimeFigureOut">
               <a:rPr lang="en-US" smtClean="0"/>
-              <a:t>9/2/20</a:t>
+              <a:t>9/3/20</a:t>
             </a:fld>
             <a:endParaRPr lang="en-US"/>
           </a:p>
@@ -1303,7 +1304,7 @@
           <a:p>
             <a:fld id="{B1DB1BE8-3F77-D044-8747-9903AC5CD864}" type="datetimeFigureOut">
               <a:rPr lang="en-US" smtClean="0"/>
-              <a:t>9/2/20</a:t>
+              <a:t>9/3/20</a:t>
             </a:fld>
             <a:endParaRPr lang="en-US"/>
           </a:p>
@@ -1578,7 +1579,7 @@
           <a:p>
             <a:fld id="{B1DB1BE8-3F77-D044-8747-9903AC5CD864}" type="datetimeFigureOut">
               <a:rPr lang="en-US" smtClean="0"/>
-              <a:t>9/2/20</a:t>
+              <a:t>9/3/20</a:t>
             </a:fld>
             <a:endParaRPr lang="en-US"/>
           </a:p>
@@ -1843,7 +1844,7 @@
           <a:p>
             <a:fld id="{B1DB1BE8-3F77-D044-8747-9903AC5CD864}" type="datetimeFigureOut">
               <a:rPr lang="en-US" smtClean="0"/>
-              <a:t>9/2/20</a:t>
+              <a:t>9/3/20</a:t>
             </a:fld>
             <a:endParaRPr lang="en-US"/>
           </a:p>
@@ -2255,7 +2256,7 @@
           <a:p>
             <a:fld id="{B1DB1BE8-3F77-D044-8747-9903AC5CD864}" type="datetimeFigureOut">
               <a:rPr lang="en-US" smtClean="0"/>
-              <a:t>9/2/20</a:t>
+              <a:t>9/3/20</a:t>
             </a:fld>
             <a:endParaRPr lang="en-US"/>
           </a:p>
@@ -2396,7 +2397,7 @@
           <a:p>
             <a:fld id="{B1DB1BE8-3F77-D044-8747-9903AC5CD864}" type="datetimeFigureOut">
               <a:rPr lang="en-US" smtClean="0"/>
-              <a:t>9/2/20</a:t>
+              <a:t>9/3/20</a:t>
             </a:fld>
             <a:endParaRPr lang="en-US"/>
           </a:p>
@@ -2509,7 +2510,7 @@
           <a:p>
             <a:fld id="{B1DB1BE8-3F77-D044-8747-9903AC5CD864}" type="datetimeFigureOut">
               <a:rPr lang="en-US" smtClean="0"/>
-              <a:t>9/2/20</a:t>
+              <a:t>9/3/20</a:t>
             </a:fld>
             <a:endParaRPr lang="en-US"/>
           </a:p>
@@ -2820,7 +2821,7 @@
           <a:p>
             <a:fld id="{B1DB1BE8-3F77-D044-8747-9903AC5CD864}" type="datetimeFigureOut">
               <a:rPr lang="en-US" smtClean="0"/>
-              <a:t>9/2/20</a:t>
+              <a:t>9/3/20</a:t>
             </a:fld>
             <a:endParaRPr lang="en-US"/>
           </a:p>
@@ -3108,7 +3109,7 @@
           <a:p>
             <a:fld id="{B1DB1BE8-3F77-D044-8747-9903AC5CD864}" type="datetimeFigureOut">
               <a:rPr lang="en-US" smtClean="0"/>
-              <a:t>9/2/20</a:t>
+              <a:t>9/3/20</a:t>
             </a:fld>
             <a:endParaRPr lang="en-US"/>
           </a:p>
@@ -3349,7 +3350,7 @@
           <a:p>
             <a:fld id="{B1DB1BE8-3F77-D044-8747-9903AC5CD864}" type="datetimeFigureOut">
               <a:rPr lang="en-US" smtClean="0"/>
-              <a:t>9/2/20</a:t>
+              <a:t>9/3/20</a:t>
             </a:fld>
             <a:endParaRPr lang="en-US"/>
           </a:p>
@@ -3815,7 +3816,7 @@
           <a:bodyPr rtlCol="0" anchor="ctr"/>
           <a:lstStyle/>
           <a:p>
-            <a:pPr algn="ctr"/>
+            <a:pPr algn="r"/>
             <a:r>
               <a:rPr lang="en-US" sz="800" dirty="0">
                 <a:solidFill>
@@ -3879,7 +3880,6 @@
           <a:bodyPr rtlCol="0" anchor="ctr"/>
           <a:lstStyle/>
           <a:p>
-            <a:pPr algn="ctr"/>
             <a:r>
               <a:rPr lang="en-US" sz="800" dirty="0">
                 <a:solidFill>
@@ -4189,9 +4189,12 @@
           <a:prstGeom prst="bentConnector3">
             <a:avLst/>
           </a:prstGeom>
-          <a:ln>
+          <a:ln w="25400">
+            <a:solidFill>
+              <a:srgbClr val="FF0000"/>
+            </a:solidFill>
             <a:headEnd type="triangle"/>
-            <a:tailEnd type="triangle"/>
+            <a:tailEnd type="none"/>
           </a:ln>
         </p:spPr>
         <p:style>
@@ -5108,7 +5111,7 @@
         </p:nvSpPr>
         <p:spPr>
           <a:xfrm>
-            <a:off x="4784793" y="2112860"/>
+            <a:off x="4020750" y="2145270"/>
             <a:ext cx="498855" cy="261610"/>
           </a:xfrm>
           <a:prstGeom prst="rect">
@@ -5123,7 +5126,7 @@
           <a:lstStyle/>
           <a:p>
             <a:r>
-              <a:rPr lang="en-US" sz="1100">
+              <a:rPr lang="en-US" sz="1100" dirty="0">
                 <a:latin typeface="Arial" panose="020B0604020202020204" pitchFamily="34" charset="0"/>
                 <a:ea typeface="Menlo" panose="020B0609030804020204" pitchFamily="49" charset="0"/>
                 <a:cs typeface="Arial" panose="020B0604020202020204" pitchFamily="34" charset="0"/>
@@ -6147,13 +6150,16 @@
         </p:nvCxnSpPr>
         <p:spPr>
           <a:xfrm>
-            <a:off x="7214889" y="1284377"/>
-            <a:ext cx="14882" cy="4168708"/>
+            <a:off x="7229771" y="3081688"/>
+            <a:ext cx="0" cy="2371397"/>
           </a:xfrm>
           <a:prstGeom prst="straightConnector1">
             <a:avLst/>
           </a:prstGeom>
-          <a:ln>
+          <a:ln w="25400">
+            <a:solidFill>
+              <a:srgbClr val="00B050"/>
+            </a:solidFill>
             <a:headEnd type="triangle"/>
             <a:tailEnd type="triangle"/>
           </a:ln>
@@ -7608,48 +7614,6 @@
           </a:p>
         </p:txBody>
       </p:sp>
-      <p:cxnSp>
-        <p:nvCxnSpPr>
-          <p:cNvPr id="99" name="Straight Arrow Connector 98">
-            <a:extLst>
-              <a:ext uri="{FF2B5EF4-FFF2-40B4-BE49-F238E27FC236}">
-                <a16:creationId xmlns:a16="http://schemas.microsoft.com/office/drawing/2014/main" id="{4B42528F-1505-AD4C-9BDE-78737EA3D84D}"/>
-              </a:ext>
-            </a:extLst>
-          </p:cNvPr>
-          <p:cNvCxnSpPr>
-            <a:cxnSpLocks/>
-          </p:cNvCxnSpPr>
-          <p:nvPr/>
-        </p:nvCxnSpPr>
-        <p:spPr>
-          <a:xfrm>
-            <a:off x="8390841" y="1319953"/>
-            <a:ext cx="29765" cy="4127661"/>
-          </a:xfrm>
-          <a:prstGeom prst="straightConnector1">
-            <a:avLst/>
-          </a:prstGeom>
-          <a:ln>
-            <a:headEnd type="triangle"/>
-            <a:tailEnd type="triangle"/>
-          </a:ln>
-        </p:spPr>
-        <p:style>
-          <a:lnRef idx="1">
-            <a:schemeClr val="accent1"/>
-          </a:lnRef>
-          <a:fillRef idx="0">
-            <a:schemeClr val="accent1"/>
-          </a:fillRef>
-          <a:effectRef idx="0">
-            <a:schemeClr val="accent1"/>
-          </a:effectRef>
-          <a:fontRef idx="minor">
-            <a:schemeClr val="tx1"/>
-          </a:fontRef>
-        </p:style>
-      </p:cxnSp>
       <p:sp>
         <p:nvSpPr>
           <p:cNvPr id="102" name="Rectangle 101">
@@ -9545,7 +9509,7 @@
         <p:spPr>
           <a:xfrm>
             <a:off x="4206554" y="2500760"/>
-            <a:ext cx="1258678" cy="235449"/>
+            <a:ext cx="881973" cy="235449"/>
           </a:xfrm>
           <a:prstGeom prst="rect">
             <a:avLst/>
@@ -9563,7 +9527,7 @@
                 <a:latin typeface="Arial" panose="020B0604020202020204" pitchFamily="34" charset="0"/>
                 <a:cs typeface="Arial" panose="020B0604020202020204" pitchFamily="34" charset="0"/>
               </a:rPr>
-              <a:t>API Mediation Layer</a:t>
+              <a:t>API Gateway</a:t>
             </a:r>
           </a:p>
         </p:txBody>
@@ -10201,6 +10165,129 @@
             </a:solidFill>
             <a:headEnd type="triangle"/>
             <a:tailEnd type="none"/>
+          </a:ln>
+        </p:spPr>
+        <p:style>
+          <a:lnRef idx="1">
+            <a:schemeClr val="accent1"/>
+          </a:lnRef>
+          <a:fillRef idx="0">
+            <a:schemeClr val="accent1"/>
+          </a:fillRef>
+          <a:effectRef idx="0">
+            <a:schemeClr val="accent1"/>
+          </a:effectRef>
+          <a:fontRef idx="minor">
+            <a:schemeClr val="tx1"/>
+          </a:fontRef>
+        </p:style>
+      </p:cxnSp>
+      <p:sp>
+        <p:nvSpPr>
+          <p:cNvPr id="2" name="TextBox 1">
+            <a:extLst>
+              <a:ext uri="{FF2B5EF4-FFF2-40B4-BE49-F238E27FC236}">
+                <a16:creationId xmlns:a16="http://schemas.microsoft.com/office/drawing/2014/main" id="{491A4EB3-2C7D-E844-BF05-1464BD29136E}"/>
+              </a:ext>
+            </a:extLst>
+          </p:cNvPr>
+          <p:cNvSpPr txBox="1"/>
+          <p:nvPr/>
+        </p:nvSpPr>
+        <p:spPr>
+          <a:xfrm>
+            <a:off x="4839541" y="2081667"/>
+            <a:ext cx="1343638" cy="369332"/>
+          </a:xfrm>
+          <a:prstGeom prst="rect">
+            <a:avLst/>
+          </a:prstGeom>
+          <a:noFill/>
+        </p:spPr>
+        <p:txBody>
+          <a:bodyPr wrap="none" rtlCol="0">
+            <a:spAutoFit/>
+          </a:bodyPr>
+          <a:lstStyle/>
+          <a:p>
+            <a:r>
+              <a:rPr lang="en-US" dirty="0">
+                <a:solidFill>
+                  <a:srgbClr val="FF0000"/>
+                </a:solidFill>
+              </a:rPr>
+              <a:t>Northbound</a:t>
+            </a:r>
+          </a:p>
+        </p:txBody>
+      </p:sp>
+      <p:sp>
+        <p:nvSpPr>
+          <p:cNvPr id="123" name="TextBox 122">
+            <a:extLst>
+              <a:ext uri="{FF2B5EF4-FFF2-40B4-BE49-F238E27FC236}">
+                <a16:creationId xmlns:a16="http://schemas.microsoft.com/office/drawing/2014/main" id="{A6B4DFE1-29C4-C548-B158-A87401DF73BB}"/>
+              </a:ext>
+            </a:extLst>
+          </p:cNvPr>
+          <p:cNvSpPr txBox="1"/>
+          <p:nvPr/>
+        </p:nvSpPr>
+        <p:spPr>
+          <a:xfrm>
+            <a:off x="4802165" y="2712356"/>
+            <a:ext cx="1342034" cy="369332"/>
+          </a:xfrm>
+          <a:prstGeom prst="rect">
+            <a:avLst/>
+          </a:prstGeom>
+          <a:noFill/>
+        </p:spPr>
+        <p:txBody>
+          <a:bodyPr wrap="none" rtlCol="0">
+            <a:spAutoFit/>
+          </a:bodyPr>
+          <a:lstStyle/>
+          <a:p>
+            <a:r>
+              <a:rPr lang="en-US" dirty="0">
+                <a:solidFill>
+                  <a:srgbClr val="FF0000"/>
+                </a:solidFill>
+              </a:rPr>
+              <a:t>Southbound</a:t>
+            </a:r>
+          </a:p>
+        </p:txBody>
+      </p:sp>
+      <p:cxnSp>
+        <p:nvCxnSpPr>
+          <p:cNvPr id="144" name="Straight Arrow Connector 143">
+            <a:extLst>
+              <a:ext uri="{FF2B5EF4-FFF2-40B4-BE49-F238E27FC236}">
+                <a16:creationId xmlns:a16="http://schemas.microsoft.com/office/drawing/2014/main" id="{77564D52-DDCA-F34D-A1DB-317E1756E831}"/>
+              </a:ext>
+            </a:extLst>
+          </p:cNvPr>
+          <p:cNvCxnSpPr>
+            <a:cxnSpLocks/>
+          </p:cNvCxnSpPr>
+          <p:nvPr/>
+        </p:nvCxnSpPr>
+        <p:spPr>
+          <a:xfrm>
+            <a:off x="8387597" y="3064807"/>
+            <a:ext cx="0" cy="2371397"/>
+          </a:xfrm>
+          <a:prstGeom prst="straightConnector1">
+            <a:avLst/>
+          </a:prstGeom>
+          <a:ln w="25400">
+            <a:solidFill>
+              <a:srgbClr val="00B050"/>
+            </a:solidFill>
+            <a:headEnd type="triangle"/>
+            <a:tailEnd type="triangle"/>
           </a:ln>
         </p:spPr>
         <p:style>
@@ -10240,6 +10327,66 @@
       </p:transition>
     </mc:Fallback>
   </mc:AlternateContent>
+</p:sld>
+</file>
+
+<file path=ppt/slides/slide2.xml><?xml version="1.0" encoding="utf-8"?>
+<p:sld xmlns:a="http://schemas.openxmlformats.org/drawingml/2006/main" xmlns:r="http://schemas.openxmlformats.org/officeDocument/2006/relationships" xmlns:p="http://schemas.openxmlformats.org/presentationml/2006/main">
+  <p:cSld>
+    <p:spTree>
+      <p:nvGrpSpPr>
+        <p:cNvPr id="1" name=""/>
+        <p:cNvGrpSpPr/>
+        <p:nvPr/>
+      </p:nvGrpSpPr>
+      <p:grpSpPr>
+        <a:xfrm>
+          <a:off x="0" y="0"/>
+          <a:ext cx="0" cy="0"/>
+          <a:chOff x="0" y="0"/>
+          <a:chExt cx="0" cy="0"/>
+        </a:xfrm>
+      </p:grpSpPr>
+      <p:pic>
+        <p:nvPicPr>
+          <p:cNvPr id="5" name="Picture 4">
+            <a:extLst>
+              <a:ext uri="{FF2B5EF4-FFF2-40B4-BE49-F238E27FC236}">
+                <a16:creationId xmlns:a16="http://schemas.microsoft.com/office/drawing/2014/main" id="{240E902D-BE84-6F4F-9450-49152904D938}"/>
+              </a:ext>
+            </a:extLst>
+          </p:cNvPr>
+          <p:cNvPicPr>
+            <a:picLocks noChangeAspect="1"/>
+          </p:cNvPicPr>
+          <p:nvPr/>
+        </p:nvPicPr>
+        <p:blipFill>
+          <a:blip r:embed="rId2"/>
+          <a:stretch>
+            <a:fillRect/>
+          </a:stretch>
+        </p:blipFill>
+        <p:spPr>
+          <a:xfrm>
+            <a:off x="3218688" y="0"/>
+            <a:ext cx="5925312" cy="6841169"/>
+          </a:xfrm>
+          <a:prstGeom prst="rect">
+            <a:avLst/>
+          </a:prstGeom>
+        </p:spPr>
+      </p:pic>
+    </p:spTree>
+    <p:extLst>
+      <p:ext uri="{BB962C8B-B14F-4D97-AF65-F5344CB8AC3E}">
+        <p14:creationId xmlns:p14="http://schemas.microsoft.com/office/powerpoint/2010/main" val="4089550044"/>
+      </p:ext>
+    </p:extLst>
+  </p:cSld>
+  <p:clrMapOvr>
+    <a:masterClrMapping/>
+  </p:clrMapOvr>
 </p:sld>
 </file>
 
